--- a/CheckPoint2.pptx
+++ b/CheckPoint2.pptx
@@ -245,7 +245,7 @@
             <a:fld id="{AA309A6D-C09C-4548-B29A-6CF363A7E532}" type="datetimeFigureOut">
               <a:rPr lang="fr-FR" smtClean="0"/>
               <a:pPr/>
-              <a:t>18/01/2022</a:t>
+              <a:t>19/01/2022</a:t>
             </a:fld>
             <a:endParaRPr lang="fr-BE"/>
           </a:p>
@@ -560,7 +560,7 @@
             <a:fld id="{AA309A6D-C09C-4548-B29A-6CF363A7E532}" type="datetimeFigureOut">
               <a:rPr lang="fr-FR" smtClean="0"/>
               <a:pPr/>
-              <a:t>18/01/2022</a:t>
+              <a:t>19/01/2022</a:t>
             </a:fld>
             <a:endParaRPr lang="fr-BE"/>
           </a:p>
@@ -747,7 +747,7 @@
             <a:fld id="{AA309A6D-C09C-4548-B29A-6CF363A7E532}" type="datetimeFigureOut">
               <a:rPr lang="fr-FR" smtClean="0"/>
               <a:pPr/>
-              <a:t>18/01/2022</a:t>
+              <a:t>19/01/2022</a:t>
             </a:fld>
             <a:endParaRPr lang="fr-BE"/>
           </a:p>
@@ -924,7 +924,7 @@
             <a:fld id="{AA309A6D-C09C-4548-B29A-6CF363A7E532}" type="datetimeFigureOut">
               <a:rPr lang="fr-FR" smtClean="0"/>
               <a:pPr/>
-              <a:t>18/01/2022</a:t>
+              <a:t>19/01/2022</a:t>
             </a:fld>
             <a:endParaRPr lang="fr-BE"/>
           </a:p>
@@ -1194,7 +1194,7 @@
             <a:fld id="{AA309A6D-C09C-4548-B29A-6CF363A7E532}" type="datetimeFigureOut">
               <a:rPr lang="fr-FR" smtClean="0"/>
               <a:pPr/>
-              <a:t>18/01/2022</a:t>
+              <a:t>19/01/2022</a:t>
             </a:fld>
             <a:endParaRPr lang="fr-BE"/>
           </a:p>
@@ -1664,7 +1664,7 @@
             <a:fld id="{AA309A6D-C09C-4548-B29A-6CF363A7E532}" type="datetimeFigureOut">
               <a:rPr lang="fr-FR" smtClean="0"/>
               <a:pPr/>
-              <a:t>18/01/2022</a:t>
+              <a:t>19/01/2022</a:t>
             </a:fld>
             <a:endParaRPr lang="fr-BE"/>
           </a:p>
@@ -2155,7 +2155,7 @@
             <a:fld id="{AA309A6D-C09C-4548-B29A-6CF363A7E532}" type="datetimeFigureOut">
               <a:rPr lang="fr-FR" smtClean="0"/>
               <a:pPr/>
-              <a:t>18/01/2022</a:t>
+              <a:t>19/01/2022</a:t>
             </a:fld>
             <a:endParaRPr lang="fr-BE"/>
           </a:p>
@@ -2283,7 +2283,7 @@
             <a:fld id="{AA309A6D-C09C-4548-B29A-6CF363A7E532}" type="datetimeFigureOut">
               <a:rPr lang="fr-FR" smtClean="0"/>
               <a:pPr/>
-              <a:t>18/01/2022</a:t>
+              <a:t>19/01/2022</a:t>
             </a:fld>
             <a:endParaRPr lang="fr-BE"/>
           </a:p>
@@ -2429,7 +2429,7 @@
             <a:fld id="{AA309A6D-C09C-4548-B29A-6CF363A7E532}" type="datetimeFigureOut">
               <a:rPr lang="fr-FR" smtClean="0"/>
               <a:pPr/>
-              <a:t>18/01/2022</a:t>
+              <a:t>19/01/2022</a:t>
             </a:fld>
             <a:endParaRPr lang="fr-BE"/>
           </a:p>
@@ -2753,7 +2753,7 @@
             <a:fld id="{AA309A6D-C09C-4548-B29A-6CF363A7E532}" type="datetimeFigureOut">
               <a:rPr lang="fr-FR" smtClean="0"/>
               <a:pPr/>
-              <a:t>18/01/2022</a:t>
+              <a:t>19/01/2022</a:t>
             </a:fld>
             <a:endParaRPr lang="fr-BE"/>
           </a:p>
@@ -2889,7 +2889,7 @@
             <a:fld id="{AA309A6D-C09C-4548-B29A-6CF363A7E532}" type="datetimeFigureOut">
               <a:rPr lang="fr-FR" smtClean="0"/>
               <a:pPr/>
-              <a:t>18/01/2022</a:t>
+              <a:t>19/01/2022</a:t>
             </a:fld>
             <a:endParaRPr lang="fr-BE"/>
           </a:p>
@@ -3672,7 +3672,7 @@
             <a:fld id="{AA309A6D-C09C-4548-B29A-6CF363A7E532}" type="datetimeFigureOut">
               <a:rPr lang="fr-FR" smtClean="0"/>
               <a:pPr/>
-              <a:t>18/01/2022</a:t>
+              <a:t>19/01/2022</a:t>
             </a:fld>
             <a:endParaRPr lang="fr-BE"/>
           </a:p>
@@ -4178,7 +4178,7 @@
         <p:spPr>
           <a:xfrm>
             <a:off x="428596" y="714356"/>
-            <a:ext cx="7929618" cy="6586418"/>
+            <a:ext cx="7929618" cy="7048083"/>
           </a:xfrm>
           <a:prstGeom prst="rect">
             <a:avLst/>
@@ -4211,23 +4211,15 @@
             </a:pPr>
             <a:r>
               <a:rPr lang="en-US" sz="2000" b="1" dirty="0" smtClean="0"/>
-              <a:t>Computers connected to the web are called clients and </a:t>
-            </a:r>
-            <a:r>
-              <a:rPr lang="en-US" sz="2000" b="1" dirty="0" smtClean="0"/>
-              <a:t>servers. The browser sends an HTTP request message to the server, asking it to send a copy of the website to the client (you go to the shop and order your goods). This message, and all other data sent between the client and the server, is sent across your internet connection </a:t>
-            </a:r>
-            <a:r>
-              <a:rPr lang="en-US" sz="2000" b="1" dirty="0" smtClean="0"/>
-              <a:t>using </a:t>
-            </a:r>
-            <a:r>
-              <a:rPr lang="en-US" sz="2000" b="1" dirty="0" smtClean="0"/>
-              <a:t>TCP/IP</a:t>
+              <a:t>Computers connected to the web are called clients and servers. The browser sends an HTTP request message to the server, asking it to send a copy of the website to the client (you go to the shop and order your goods). This message, and all other data sent between the client and the server, is sent across your internet connection using TCP/IP</a:t>
             </a:r>
           </a:p>
           <a:p>
             <a:pPr algn="ctr"/>
+            <a:r>
+              <a:rPr lang="en-US" sz="2000" b="1" smtClean="0"/>
+              <a:t>  </a:t>
+            </a:r>
             <a:endParaRPr lang="en-US" sz="2000" b="1" dirty="0" smtClean="0"/>
           </a:p>
           <a:p>
@@ -4237,15 +4229,7 @@
             </a:pPr>
             <a:r>
               <a:rPr lang="en-US" sz="2000" b="1" dirty="0" smtClean="0"/>
-              <a:t>There </a:t>
-            </a:r>
-            <a:r>
-              <a:rPr lang="en-US" sz="2000" b="1" dirty="0" smtClean="0"/>
-              <a:t>are many other parts </a:t>
-            </a:r>
-            <a:r>
-              <a:rPr lang="en-US" sz="2000" b="1" dirty="0" smtClean="0"/>
-              <a:t>involved: </a:t>
+              <a:t>There are many other parts involved: </a:t>
             </a:r>
           </a:p>
           <a:p>
@@ -4282,17 +4266,8 @@
             </a:pPr>
             <a:r>
               <a:rPr lang="fr-FR" sz="2000" b="1" dirty="0" smtClean="0"/>
-              <a:t> Component </a:t>
-            </a:r>
-            <a:r>
-              <a:rPr lang="fr-FR" sz="2000" b="1" dirty="0" smtClean="0"/>
-              <a:t>files : Code </a:t>
-            </a:r>
-            <a:r>
-              <a:rPr lang="fr-FR" sz="2000" b="1" dirty="0" smtClean="0"/>
-              <a:t>files/ Assets</a:t>
-            </a:r>
-            <a:endParaRPr lang="fr-FR" sz="2000" b="1" dirty="0" smtClean="0"/>
+              <a:t> Component files : Code files/ Assets</a:t>
+            </a:r>
           </a:p>
           <a:p>
             <a:pPr algn="ctr"/>
@@ -4479,13 +4454,8 @@
             <a:pPr algn="ctr"/>
             <a:r>
               <a:rPr lang="en-US" b="1" dirty="0" smtClean="0"/>
-              <a:t>To become a Web Developer, you should have an understanding of HTML, CSS, and JavaScript. It's also recommended to learn about CSS and CSS frameworks. Developing these fundamental web development skills will give you the foundation and logic for communicating with programming languages.</a:t>
-            </a:r>
-            <a:r>
-              <a:rPr lang="en-US" b="1" dirty="0" smtClean="0"/>
-              <a:t> </a:t>
-            </a:r>
-            <a:endParaRPr lang="en-US" b="1" dirty="0" smtClean="0"/>
+              <a:t>To become a Web Developer, you should have an understanding of HTML, CSS, and JavaScript. It's also recommended to learn about CSS and CSS frameworks. Developing these fundamental web development skills will give you the foundation and logic for communicating with programming languages. </a:t>
+            </a:r>
           </a:p>
           <a:p>
             <a:pPr algn="ctr"/>
@@ -4495,15 +4465,7 @@
             <a:pPr algn="ctr"/>
             <a:r>
               <a:rPr lang="en-US" b="1" dirty="0" smtClean="0"/>
-              <a:t>Web </a:t>
-            </a:r>
-            <a:r>
-              <a:rPr lang="en-US" b="1" dirty="0" smtClean="0"/>
-              <a:t>developers can be split into two different areas of responsibilities and skills - frontend and backend</a:t>
-            </a:r>
-            <a:r>
-              <a:rPr lang="en-US" b="1" dirty="0" smtClean="0"/>
-              <a:t>.</a:t>
+              <a:t>Web developers can be split into two different areas of responsibilities and skills - frontend and backend.</a:t>
             </a:r>
           </a:p>
           <a:p>
@@ -4523,33 +4485,11 @@
                   </a:schemeClr>
                 </a:solidFill>
               </a:rPr>
-              <a:t> </a:t>
-            </a:r>
-            <a:r>
-              <a:rPr lang="en-US" b="1" dirty="0" smtClean="0">
-                <a:solidFill>
-                  <a:schemeClr val="accent6">
-                    <a:lumMod val="75000"/>
-                  </a:schemeClr>
-                </a:solidFill>
-              </a:rPr>
-              <a:t>Frontend developers </a:t>
+              <a:t> Frontend developers </a:t>
             </a:r>
             <a:r>
               <a:rPr lang="en-US" b="1" dirty="0" smtClean="0"/>
-              <a:t>focus on programming languages such as HTML, CSS and </a:t>
-            </a:r>
-            <a:r>
-              <a:rPr lang="en-US" b="1" dirty="0" smtClean="0"/>
-              <a:t>JavaScript </a:t>
-            </a:r>
-            <a:r>
-              <a:rPr lang="en-US" b="1" dirty="0" smtClean="0"/>
-              <a:t>to create the visual and interactive parts of a website - essentially the parts you can see</a:t>
-            </a:r>
-            <a:r>
-              <a:rPr lang="en-US" b="1" dirty="0" smtClean="0"/>
-              <a:t>.</a:t>
+              <a:t>focus on programming languages such as HTML, CSS and JavaScript to create the visual and interactive parts of a website - essentially the parts you can see.</a:t>
             </a:r>
           </a:p>
           <a:p>
@@ -4751,11 +4691,7 @@
             </a:pPr>
             <a:r>
               <a:rPr lang="en-US" b="1" dirty="0" smtClean="0"/>
-              <a:t>A web developer's job is to create websites. While their primary role is to ensure the website is visually appealing and easy to navigate, many web developers are also responsible for the website's performance </a:t>
-            </a:r>
-            <a:r>
-              <a:rPr lang="en-US" b="1" dirty="0" smtClean="0"/>
-              <a:t>and capacity</a:t>
+              <a:t>A web developer's job is to create websites. While their primary role is to ensure the website is visually appealing and easy to navigate, many web developers are also responsible for the website's performance and capacity</a:t>
             </a:r>
           </a:p>
           <a:p>
@@ -4768,15 +4704,7 @@
             </a:pPr>
             <a:r>
               <a:rPr lang="en-US" b="1" dirty="0" smtClean="0"/>
-              <a:t>Website </a:t>
-            </a:r>
-            <a:r>
-              <a:rPr lang="en-US" b="1" dirty="0" smtClean="0"/>
-              <a:t>and software application designing, building, or </a:t>
-            </a:r>
-            <a:r>
-              <a:rPr lang="en-US" b="1" dirty="0" smtClean="0"/>
-              <a:t>maintaining</a:t>
+              <a:t>Website and software application designing, building, or maintaining</a:t>
             </a:r>
           </a:p>
           <a:p>
@@ -4789,13 +4717,8 @@
             </a:pPr>
             <a:r>
               <a:rPr lang="en-US" b="1" dirty="0" smtClean="0"/>
-              <a:t>Directing </a:t>
-            </a:r>
-            <a:r>
-              <a:rPr lang="en-US" b="1" dirty="0" smtClean="0"/>
-              <a:t>or performing Website updates. </a:t>
-            </a:r>
-            <a:endParaRPr lang="en-US" b="1" dirty="0" smtClean="0"/>
+              <a:t>Directing or performing Website updates. </a:t>
+            </a:r>
           </a:p>
           <a:p>
             <a:pPr algn="ctr">
@@ -4807,11 +4730,7 @@
             </a:pPr>
             <a:r>
               <a:rPr lang="en-US" b="1" dirty="0" smtClean="0"/>
-              <a:t>Identifying </a:t>
-            </a:r>
-            <a:r>
-              <a:rPr lang="en-US" b="1" dirty="0" smtClean="0"/>
-              <a:t>problems uncovered by customer feedback and testing, and correcting or referring problems to appropriate personnel for correction</a:t>
+              <a:t>Identifying problems uncovered by customer feedback and testing, and correcting or referring problems to appropriate personnel for correction</a:t>
             </a:r>
             <a:r>
               <a:rPr lang="en-US" dirty="0" smtClean="0"/>
